--- a/文档/展示PPT_第四周_补充_第五周.pptx
+++ b/文档/展示PPT_第四周_补充_第五周.pptx
@@ -6007,77 +6007,6 @@
           </a:p>
         </p:txBody>
       </p:sp>
-      <p:pic>
-        <p:nvPicPr>
-          <p:cNvPr id="3" name="图片 2" descr="文本&#10;&#10;描述已自动生成">
-            <a:extLst>
-              <a:ext uri="{FF2B5EF4-FFF2-40B4-BE49-F238E27FC236}">
-                <a16:creationId xmlns:a16="http://schemas.microsoft.com/office/drawing/2014/main" id="{8CA3D0AA-0280-424D-B035-FDEC4B62EFD2}"/>
-              </a:ext>
-            </a:extLst>
-          </p:cNvPr>
-          <p:cNvPicPr>
-            <a:picLocks noChangeAspect="1"/>
-          </p:cNvPicPr>
-          <p:nvPr/>
-        </p:nvPicPr>
-        <p:blipFill>
-          <a:blip r:embed="rId3">
-            <a:extLst>
-              <a:ext uri="{28A0092B-C50C-407E-A947-70E740481C1C}">
-                <a14:useLocalDpi xmlns:a14="http://schemas.microsoft.com/office/drawing/2010/main" val="0"/>
-              </a:ext>
-            </a:extLst>
-          </a:blip>
-          <a:stretch>
-            <a:fillRect/>
-          </a:stretch>
-        </p:blipFill>
-        <p:spPr>
-          <a:xfrm>
-            <a:off x="850740" y="971563"/>
-            <a:ext cx="6497511" cy="1422746"/>
-          </a:xfrm>
-          <a:prstGeom prst="rect">
-            <a:avLst/>
-          </a:prstGeom>
-        </p:spPr>
-      </p:pic>
-      <p:pic>
-        <p:nvPicPr>
-          <p:cNvPr id="9" name="图片 8">
-            <a:extLst>
-              <a:ext uri="{FF2B5EF4-FFF2-40B4-BE49-F238E27FC236}">
-                <a16:creationId xmlns:a16="http://schemas.microsoft.com/office/drawing/2014/main" id="{F859B054-D1B5-4601-B05E-69B58D5580AD}"/>
-              </a:ext>
-            </a:extLst>
-          </p:cNvPr>
-          <p:cNvPicPr>
-            <a:picLocks noChangeAspect="1"/>
-          </p:cNvPicPr>
-          <p:nvPr/>
-        </p:nvPicPr>
-        <p:blipFill rotWithShape="1">
-          <a:blip r:embed="rId4">
-            <a:extLst>
-              <a:ext uri="{28A0092B-C50C-407E-A947-70E740481C1C}">
-                <a14:useLocalDpi xmlns:a14="http://schemas.microsoft.com/office/drawing/2010/main" val="0"/>
-              </a:ext>
-            </a:extLst>
-          </a:blip>
-          <a:srcRect r="50969"/>
-          <a:stretch/>
-        </p:blipFill>
-        <p:spPr>
-          <a:xfrm>
-            <a:off x="4514225" y="3108491"/>
-            <a:ext cx="3157187" cy="603281"/>
-          </a:xfrm>
-          <a:prstGeom prst="rect">
-            <a:avLst/>
-          </a:prstGeom>
-        </p:spPr>
-      </p:pic>
       <p:sp>
         <p:nvSpPr>
           <p:cNvPr id="10" name="文本框 9">
@@ -6113,45 +6042,10 @@
           </a:p>
         </p:txBody>
       </p:sp>
-      <p:pic>
-        <p:nvPicPr>
-          <p:cNvPr id="13" name="图片 12">
-            <a:extLst>
-              <a:ext uri="{FF2B5EF4-FFF2-40B4-BE49-F238E27FC236}">
-                <a16:creationId xmlns:a16="http://schemas.microsoft.com/office/drawing/2014/main" id="{EA771BA2-66CF-495C-8B3E-C773BE0B7490}"/>
-              </a:ext>
-            </a:extLst>
-          </p:cNvPr>
-          <p:cNvPicPr>
-            <a:picLocks noChangeAspect="1"/>
-          </p:cNvPicPr>
-          <p:nvPr/>
-        </p:nvPicPr>
-        <p:blipFill rotWithShape="1">
-          <a:blip r:embed="rId4">
-            <a:extLst>
-              <a:ext uri="{28A0092B-C50C-407E-A947-70E740481C1C}">
-                <a14:useLocalDpi xmlns:a14="http://schemas.microsoft.com/office/drawing/2010/main" val="0"/>
-              </a:ext>
-            </a:extLst>
-          </a:blip>
-          <a:srcRect l="66710"/>
-          <a:stretch/>
-        </p:blipFill>
-        <p:spPr>
-          <a:xfrm>
-            <a:off x="1340386" y="3136769"/>
-            <a:ext cx="2143634" cy="603281"/>
-          </a:xfrm>
-          <a:prstGeom prst="rect">
-            <a:avLst/>
-          </a:prstGeom>
-        </p:spPr>
-      </p:pic>
       <p:sp>
         <p:nvSpPr>
           <p:cNvPr id="14" name="文本框 13">
-            <a:hlinkClick r:id="rId5" action="ppaction://hlinksldjump"/>
+            <a:hlinkClick r:id="rId3" action="ppaction://hlinksldjump"/>
             <a:extLst>
               <a:ext uri="{FF2B5EF4-FFF2-40B4-BE49-F238E27FC236}">
                 <a16:creationId xmlns:a16="http://schemas.microsoft.com/office/drawing/2014/main" id="{5CA2B060-48C4-4390-9418-53E310A3A3A6}"/>
@@ -6199,6 +6093,112 @@
           </a:p>
         </p:txBody>
       </p:sp>
+      <p:pic>
+        <p:nvPicPr>
+          <p:cNvPr id="7" name="图片 6" descr="图片包含 图形用户界面, 文本&#10;&#10;描述已自动生成">
+            <a:extLst>
+              <a:ext uri="{FF2B5EF4-FFF2-40B4-BE49-F238E27FC236}">
+                <a16:creationId xmlns:a16="http://schemas.microsoft.com/office/drawing/2014/main" id="{DE4D13CB-BCFA-4632-965C-08590E118485}"/>
+              </a:ext>
+            </a:extLst>
+          </p:cNvPr>
+          <p:cNvPicPr>
+            <a:picLocks noChangeAspect="1"/>
+          </p:cNvPicPr>
+          <p:nvPr/>
+        </p:nvPicPr>
+        <p:blipFill>
+          <a:blip r:embed="rId4">
+            <a:extLst>
+              <a:ext uri="{28A0092B-C50C-407E-A947-70E740481C1C}">
+                <a14:useLocalDpi xmlns:a14="http://schemas.microsoft.com/office/drawing/2010/main" val="0"/>
+              </a:ext>
+            </a:extLst>
+          </a:blip>
+          <a:stretch>
+            <a:fillRect/>
+          </a:stretch>
+        </p:blipFill>
+        <p:spPr>
+          <a:xfrm>
+            <a:off x="-57775" y="968646"/>
+            <a:ext cx="9144000" cy="2078555"/>
+          </a:xfrm>
+          <a:prstGeom prst="rect">
+            <a:avLst/>
+          </a:prstGeom>
+        </p:spPr>
+      </p:pic>
+      <p:pic>
+        <p:nvPicPr>
+          <p:cNvPr id="6" name="图片 5">
+            <a:extLst>
+              <a:ext uri="{FF2B5EF4-FFF2-40B4-BE49-F238E27FC236}">
+                <a16:creationId xmlns:a16="http://schemas.microsoft.com/office/drawing/2014/main" id="{ADE00C81-A271-48F3-933E-AC4F23458303}"/>
+              </a:ext>
+            </a:extLst>
+          </p:cNvPr>
+          <p:cNvPicPr>
+            <a:picLocks noChangeAspect="1"/>
+          </p:cNvPicPr>
+          <p:nvPr/>
+        </p:nvPicPr>
+        <p:blipFill rotWithShape="1">
+          <a:blip r:embed="rId5">
+            <a:extLst>
+              <a:ext uri="{28A0092B-C50C-407E-A947-70E740481C1C}">
+                <a14:useLocalDpi xmlns:a14="http://schemas.microsoft.com/office/drawing/2010/main" val="0"/>
+              </a:ext>
+            </a:extLst>
+          </a:blip>
+          <a:srcRect l="66408"/>
+          <a:stretch/>
+        </p:blipFill>
+        <p:spPr>
+          <a:xfrm>
+            <a:off x="1423171" y="3324256"/>
+            <a:ext cx="2160935" cy="641383"/>
+          </a:xfrm>
+          <a:prstGeom prst="rect">
+            <a:avLst/>
+          </a:prstGeom>
+        </p:spPr>
+      </p:pic>
+      <p:pic>
+        <p:nvPicPr>
+          <p:cNvPr id="8" name="图片 7">
+            <a:extLst>
+              <a:ext uri="{FF2B5EF4-FFF2-40B4-BE49-F238E27FC236}">
+                <a16:creationId xmlns:a16="http://schemas.microsoft.com/office/drawing/2014/main" id="{D505B056-3C44-4525-8474-4C02AB709A3B}"/>
+              </a:ext>
+            </a:extLst>
+          </p:cNvPr>
+          <p:cNvPicPr>
+            <a:picLocks noChangeAspect="1"/>
+          </p:cNvPicPr>
+          <p:nvPr/>
+        </p:nvPicPr>
+        <p:blipFill rotWithShape="1">
+          <a:blip r:embed="rId5">
+            <a:extLst>
+              <a:ext uri="{28A0092B-C50C-407E-A947-70E740481C1C}">
+                <a14:useLocalDpi xmlns:a14="http://schemas.microsoft.com/office/drawing/2010/main" val="0"/>
+              </a:ext>
+            </a:extLst>
+          </a:blip>
+          <a:srcRect r="50995"/>
+          <a:stretch/>
+        </p:blipFill>
+        <p:spPr>
+          <a:xfrm>
+            <a:off x="4697464" y="3309853"/>
+            <a:ext cx="3152452" cy="641383"/>
+          </a:xfrm>
+          <a:prstGeom prst="rect">
+            <a:avLst/>
+          </a:prstGeom>
+        </p:spPr>
+      </p:pic>
     </p:spTree>
     <p:extLst>
       <p:ext uri="{BB962C8B-B14F-4D97-AF65-F5344CB8AC3E}">
@@ -13819,10 +13819,10 @@
       </p:sp>
       <p:pic>
         <p:nvPicPr>
-          <p:cNvPr id="3" name="图片 2" descr="文本&#10;&#10;描述已自动生成">
+          <p:cNvPr id="9" name="图片 8" descr="文本&#10;&#10;描述已自动生成">
             <a:extLst>
               <a:ext uri="{FF2B5EF4-FFF2-40B4-BE49-F238E27FC236}">
-                <a16:creationId xmlns:a16="http://schemas.microsoft.com/office/drawing/2014/main" id="{AD9DF6C3-5222-427C-BA93-A66E35B8182B}"/>
+                <a16:creationId xmlns:a16="http://schemas.microsoft.com/office/drawing/2014/main" id="{CFD2340B-E337-4E4C-906E-5B933C1110E4}"/>
               </a:ext>
             </a:extLst>
           </p:cNvPr>
@@ -13845,8 +13845,8 @@
         </p:blipFill>
         <p:spPr>
           <a:xfrm>
-            <a:off x="791800" y="1417561"/>
-            <a:ext cx="6537522" cy="1641456"/>
+            <a:off x="586541" y="1377768"/>
+            <a:ext cx="7648575" cy="1828800"/>
           </a:xfrm>
           <a:prstGeom prst="rect">
             <a:avLst/>
@@ -13998,10 +13998,10 @@
         </p:nvGrpSpPr>
         <p:grpSpPr>
           <a:xfrm>
-            <a:off x="873043" y="2821981"/>
-            <a:ext cx="7105303" cy="2422048"/>
+            <a:off x="873043" y="2821980"/>
+            <a:ext cx="7105303" cy="1762471"/>
             <a:chOff x="862026" y="3538078"/>
-            <a:chExt cx="7105303" cy="1576708"/>
+            <a:chExt cx="7105303" cy="1147336"/>
           </a:xfrm>
         </p:grpSpPr>
         <p:grpSp>
@@ -14258,7 +14258,7 @@
           <p:spPr>
             <a:xfrm>
               <a:off x="993651" y="3637458"/>
-              <a:ext cx="6842051" cy="1477328"/>
+              <a:ext cx="6842051" cy="961713"/>
             </a:xfrm>
             <a:prstGeom prst="rect">
               <a:avLst/>
@@ -14285,7 +14285,7 @@
               </a:r>
               <a:r>
                 <a:rPr lang="en-US" altLang="zh-CN" sz="1800" dirty="0"/>
-                <a:t>10</a:t>
+                <a:t>8</a:t>
               </a:r>
               <a:r>
                 <a:rPr lang="zh-CN" altLang="en-US" sz="1800" dirty="0"/>
@@ -14357,7 +14357,7 @@
               </a:r>
               <a:r>
                 <a:rPr lang="en-US" altLang="zh-CN" sz="1800" dirty="0"/>
-                <a:t>6</a:t>
+                <a:t>8</a:t>
               </a:r>
               <a:r>
                 <a:rPr lang="zh-CN" altLang="en-US" sz="1800" dirty="0"/>
@@ -14715,10 +14715,10 @@
       </p:sp>
       <p:pic>
         <p:nvPicPr>
-          <p:cNvPr id="3" name="图片 2">
+          <p:cNvPr id="2" name="图片 1">
             <a:extLst>
               <a:ext uri="{FF2B5EF4-FFF2-40B4-BE49-F238E27FC236}">
-                <a16:creationId xmlns:a16="http://schemas.microsoft.com/office/drawing/2014/main" id="{951231F4-6A6C-4461-84C0-BAAD7BF83C22}"/>
+                <a16:creationId xmlns:a16="http://schemas.microsoft.com/office/drawing/2014/main" id="{DAE42670-C1A7-4405-887D-97390655BA12}"/>
               </a:ext>
             </a:extLst>
           </p:cNvPr>
@@ -14727,7 +14727,7 @@
           </p:cNvPicPr>
           <p:nvPr/>
         </p:nvPicPr>
-        <p:blipFill>
+        <p:blipFill rotWithShape="1">
           <a:blip r:embed="rId3">
             <a:extLst>
               <a:ext uri="{28A0092B-C50C-407E-A947-70E740481C1C}">
@@ -14735,14 +14735,13 @@
               </a:ext>
             </a:extLst>
           </a:blip>
-          <a:stretch>
-            <a:fillRect/>
-          </a:stretch>
+          <a:srcRect r="5606"/>
+          <a:stretch/>
         </p:blipFill>
         <p:spPr>
           <a:xfrm>
-            <a:off x="95480" y="1320673"/>
-            <a:ext cx="9144000" cy="754144"/>
+            <a:off x="280130" y="1192437"/>
+            <a:ext cx="8631393" cy="791521"/>
           </a:xfrm>
           <a:prstGeom prst="rect">
             <a:avLst/>

--- a/文档/展示PPT_第四周_补充_第五周.pptx
+++ b/文档/展示PPT_第四周_补充_第五周.pptx
@@ -252,7 +252,7 @@
           <a:p>
             <a:fld id="{52DC7E0A-FE25-4298-B2A5-F81E4409DC3D}" type="datetimeFigureOut">
               <a:rPr lang="zh-CN" altLang="en-US" smtClean="0"/>
-              <a:t>2020/10/18</a:t>
+              <a:t>2020/10/19</a:t>
             </a:fld>
             <a:endParaRPr lang="zh-CN" altLang="en-US"/>
           </a:p>
@@ -417,7 +417,7 @@
           <a:p>
             <a:fld id="{10DB2BC2-E36F-4014-826D-67C3AA5D550C}" type="datetimeFigureOut">
               <a:rPr lang="zh-CN" altLang="en-US" smtClean="0"/>
-              <a:t>2020/10/18</a:t>
+              <a:t>2020/10/19</a:t>
             </a:fld>
             <a:endParaRPr lang="zh-CN" altLang="en-US"/>
           </a:p>
@@ -1679,7 +1679,7 @@
           <a:p>
             <a:fld id="{C03DE807-215E-47EB-B84B-198322179C58}" type="datetimeFigureOut">
               <a:rPr lang="zh-CN" altLang="en-US" smtClean="0"/>
-              <a:t>2020/10/18</a:t>
+              <a:t>2020/10/19</a:t>
             </a:fld>
             <a:endParaRPr lang="zh-CN" altLang="en-US"/>
           </a:p>
@@ -14258,7 +14258,7 @@
           <p:spPr>
             <a:xfrm>
               <a:off x="993651" y="3637458"/>
-              <a:ext cx="6842051" cy="961713"/>
+              <a:ext cx="6842051" cy="781392"/>
             </a:xfrm>
             <a:prstGeom prst="rect">
               <a:avLst/>
@@ -14316,14 +14316,6 @@
                 <a:t>（专业）</a:t>
               </a:r>
               <a:r>
-                <a:rPr lang="en-US" altLang="zh-CN" sz="1800" dirty="0"/>
-                <a:t>cc</a:t>
-              </a:r>
-              <a:r>
-                <a:rPr lang="zh-CN" altLang="en-US" sz="1800" dirty="0"/>
-                <a:t>（班级） </a:t>
-              </a:r>
-              <a:r>
                 <a:rPr lang="en-US" altLang="zh-CN" sz="1800" dirty="0" err="1"/>
                 <a:t>nn</a:t>
               </a:r>
@@ -14341,7 +14333,7 @@
               </a:r>
               <a:r>
                 <a:rPr lang="en-US" altLang="zh-CN" sz="1800" dirty="0"/>
-                <a:t>1801020344. </a:t>
+                <a:t>18010244. </a:t>
               </a:r>
               <a:r>
                 <a:rPr lang="zh-CN" altLang="en-US" sz="1800" dirty="0"/>

--- a/文档/展示PPT_第四周_补充_第五周.pptx
+++ b/文档/展示PPT_第四周_补充_第五周.pptx
@@ -6989,10 +6989,10 @@
         </p:nvGrpSpPr>
         <p:grpSpPr>
           <a:xfrm>
-            <a:off x="2216007" y="1177509"/>
-            <a:ext cx="1625207" cy="338049"/>
-            <a:chOff x="6836529" y="3636272"/>
-            <a:chExt cx="3069029" cy="541217"/>
+            <a:off x="2216006" y="1177509"/>
+            <a:ext cx="1695595" cy="338049"/>
+            <a:chOff x="6836527" y="3636272"/>
+            <a:chExt cx="3201949" cy="541217"/>
           </a:xfrm>
         </p:grpSpPr>
         <p:sp>
@@ -7067,6 +7067,7 @@
         <p:sp>
           <p:nvSpPr>
             <p:cNvPr id="23" name="文本框 22">
+              <a:hlinkClick r:id="rId2" action="ppaction://hlinksldjump"/>
               <a:extLst>
                 <a:ext uri="{FF2B5EF4-FFF2-40B4-BE49-F238E27FC236}">
                   <a16:creationId xmlns:a16="http://schemas.microsoft.com/office/drawing/2014/main" id="{4F099CA4-660D-44FF-8CF9-2800CA79D395}"/>
@@ -7078,8 +7079,8 @@
           </p:nvSpPr>
           <p:spPr>
             <a:xfrm>
-              <a:off x="6836529" y="3644500"/>
-              <a:ext cx="2501943" cy="492751"/>
+              <a:off x="6836527" y="3644500"/>
+              <a:ext cx="3201949" cy="492751"/>
             </a:xfrm>
             <a:prstGeom prst="rect">
               <a:avLst/>
@@ -7087,7 +7088,7 @@
             <a:noFill/>
           </p:spPr>
           <p:txBody>
-            <a:bodyPr wrap="none" rtlCol="0">
+            <a:bodyPr wrap="square" rtlCol="0">
               <a:spAutoFit/>
             </a:bodyPr>
             <a:lstStyle/>
@@ -7251,7 +7252,7 @@
           <a:xfrm>
             <a:off x="2216006" y="2770692"/>
             <a:ext cx="2355993" cy="338049"/>
-            <a:chOff x="6836529" y="3636272"/>
+            <a:chOff x="6836528" y="3636272"/>
             <a:chExt cx="3333285" cy="541217"/>
           </a:xfrm>
         </p:grpSpPr>
@@ -7327,6 +7328,7 @@
         <p:sp>
           <p:nvSpPr>
             <p:cNvPr id="30" name="文本框 29">
+              <a:hlinkClick r:id="rId3" action="ppaction://hlinksldjump"/>
               <a:extLst>
                 <a:ext uri="{FF2B5EF4-FFF2-40B4-BE49-F238E27FC236}">
                   <a16:creationId xmlns:a16="http://schemas.microsoft.com/office/drawing/2014/main" id="{2F1FA1DB-1B78-4438-B9A9-2B707BBDC0D3}"/>
@@ -7338,7 +7340,7 @@
           </p:nvSpPr>
           <p:spPr>
             <a:xfrm>
-              <a:off x="6836529" y="3644500"/>
+              <a:off x="6836528" y="3644500"/>
               <a:ext cx="3333285" cy="492751"/>
             </a:xfrm>
             <a:prstGeom prst="rect">
@@ -7749,7 +7751,7 @@
         </p:blipFill>
         <p:spPr>
           <a:xfrm>
-            <a:off x="482600" y="850305"/>
+            <a:off x="482599" y="582145"/>
             <a:ext cx="3968749" cy="3442889"/>
           </a:xfrm>
           <a:prstGeom prst="rect">
@@ -7785,7 +7787,7 @@
         </p:blipFill>
         <p:spPr>
           <a:xfrm>
-            <a:off x="4692648" y="904874"/>
+            <a:off x="4692653" y="582145"/>
             <a:ext cx="3968751" cy="3333750"/>
           </a:xfrm>
           <a:prstGeom prst="rect">
@@ -7793,6 +7795,61 @@
           </a:prstGeom>
         </p:spPr>
       </p:pic>
+      <p:sp>
+        <p:nvSpPr>
+          <p:cNvPr id="2" name="文本框 1">
+            <a:hlinkClick r:id="rId4" action="ppaction://hlinksldjump"/>
+            <a:extLst>
+              <a:ext uri="{FF2B5EF4-FFF2-40B4-BE49-F238E27FC236}">
+                <a16:creationId xmlns:a16="http://schemas.microsoft.com/office/drawing/2014/main" id="{44C8ACB0-A724-4D08-97AB-ED930C0CC9B0}"/>
+              </a:ext>
+            </a:extLst>
+          </p:cNvPr>
+          <p:cNvSpPr txBox="1"/>
+          <p:nvPr/>
+        </p:nvSpPr>
+        <p:spPr>
+          <a:xfrm>
+            <a:off x="7129934" y="4169237"/>
+            <a:ext cx="1531470" cy="338554"/>
+          </a:xfrm>
+          <a:prstGeom prst="rect">
+            <a:avLst/>
+          </a:prstGeom>
+          <a:noFill/>
+        </p:spPr>
+        <p:txBody>
+          <a:bodyPr wrap="square" rtlCol="0">
+            <a:spAutoFit/>
+          </a:bodyPr>
+          <a:lstStyle/>
+          <a:p>
+            <a:r>
+              <a:rPr lang="en-US" sz="1600" dirty="0" err="1"/>
+              <a:t>goto</a:t>
+            </a:r>
+            <a:r>
+              <a:rPr lang="en-US" sz="1600" dirty="0"/>
+              <a:t> </a:t>
+            </a:r>
+            <a:r>
+              <a:rPr lang="zh-CN" altLang="en-US" sz="1600" dirty="0"/>
+              <a:t>代码</a:t>
+            </a:r>
+            <a:r>
+              <a:rPr lang="en-US" altLang="zh-CN" sz="1600" dirty="0"/>
+              <a:t> </a:t>
+            </a:r>
+            <a:r>
+              <a:rPr lang="en-US" altLang="zh-CN" sz="1600" dirty="0">
+                <a:sym typeface="Wingdings" panose="05000000000000000000" pitchFamily="2" charset="2"/>
+              </a:rPr>
+              <a:t></a:t>
+            </a:r>
+            <a:endParaRPr lang="en-US" sz="1600" dirty="0"/>
+          </a:p>
+        </p:txBody>
+      </p:sp>
     </p:spTree>
     <p:extLst>
       <p:ext uri="{BB962C8B-B14F-4D97-AF65-F5344CB8AC3E}">
@@ -7897,6 +7954,61 @@
           </a:prstGeom>
         </p:spPr>
       </p:pic>
+      <p:sp>
+        <p:nvSpPr>
+          <p:cNvPr id="2" name="文本框 1">
+            <a:hlinkClick r:id="rId4" action="ppaction://hlinksldjump"/>
+            <a:extLst>
+              <a:ext uri="{FF2B5EF4-FFF2-40B4-BE49-F238E27FC236}">
+                <a16:creationId xmlns:a16="http://schemas.microsoft.com/office/drawing/2014/main" id="{4E74BB9F-EFEC-4CCC-95EB-EAA462DB05D6}"/>
+              </a:ext>
+            </a:extLst>
+          </p:cNvPr>
+          <p:cNvSpPr txBox="1"/>
+          <p:nvPr/>
+        </p:nvSpPr>
+        <p:spPr>
+          <a:xfrm>
+            <a:off x="6951643" y="4142342"/>
+            <a:ext cx="1531470" cy="338554"/>
+          </a:xfrm>
+          <a:prstGeom prst="rect">
+            <a:avLst/>
+          </a:prstGeom>
+          <a:noFill/>
+        </p:spPr>
+        <p:txBody>
+          <a:bodyPr wrap="square" rtlCol="0">
+            <a:spAutoFit/>
+          </a:bodyPr>
+          <a:lstStyle/>
+          <a:p>
+            <a:r>
+              <a:rPr lang="en-US" sz="1600" dirty="0" err="1"/>
+              <a:t>goto</a:t>
+            </a:r>
+            <a:r>
+              <a:rPr lang="en-US" sz="1600" dirty="0"/>
+              <a:t> </a:t>
+            </a:r>
+            <a:r>
+              <a:rPr lang="zh-CN" altLang="en-US" sz="1600" dirty="0"/>
+              <a:t>功能</a:t>
+            </a:r>
+            <a:r>
+              <a:rPr lang="en-US" altLang="zh-CN" sz="1600" dirty="0"/>
+              <a:t> </a:t>
+            </a:r>
+            <a:r>
+              <a:rPr lang="en-US" altLang="zh-CN" sz="1600" dirty="0">
+                <a:sym typeface="Wingdings" panose="05000000000000000000" pitchFamily="2" charset="2"/>
+              </a:rPr>
+              <a:t></a:t>
+            </a:r>
+            <a:endParaRPr lang="en-US" sz="1600" dirty="0"/>
+          </a:p>
+        </p:txBody>
+      </p:sp>
     </p:spTree>
     <p:extLst>
       <p:ext uri="{BB962C8B-B14F-4D97-AF65-F5344CB8AC3E}">
@@ -12001,42 +12113,6 @@
           </a:p>
         </p:txBody>
       </p:sp>
-      <p:pic>
-        <p:nvPicPr>
-          <p:cNvPr id="4" name="图片 3" descr="文本&#10;&#10;描述已自动生成">
-            <a:extLst>
-              <a:ext uri="{FF2B5EF4-FFF2-40B4-BE49-F238E27FC236}">
-                <a16:creationId xmlns:a16="http://schemas.microsoft.com/office/drawing/2014/main" id="{D7F286CB-049F-45A7-93B8-6E2184C8B610}"/>
-              </a:ext>
-            </a:extLst>
-          </p:cNvPr>
-          <p:cNvPicPr>
-            <a:picLocks noChangeAspect="1"/>
-          </p:cNvPicPr>
-          <p:nvPr/>
-        </p:nvPicPr>
-        <p:blipFill>
-          <a:blip r:embed="rId3">
-            <a:extLst>
-              <a:ext uri="{28A0092B-C50C-407E-A947-70E740481C1C}">
-                <a14:useLocalDpi xmlns:a14="http://schemas.microsoft.com/office/drawing/2010/main" val="0"/>
-              </a:ext>
-            </a:extLst>
-          </a:blip>
-          <a:stretch>
-            <a:fillRect/>
-          </a:stretch>
-        </p:blipFill>
-        <p:spPr>
-          <a:xfrm>
-            <a:off x="823999" y="1237269"/>
-            <a:ext cx="4567730" cy="2348070"/>
-          </a:xfrm>
-          <a:prstGeom prst="rect">
-            <a:avLst/>
-          </a:prstGeom>
-        </p:spPr>
-      </p:pic>
       <p:sp>
         <p:nvSpPr>
           <p:cNvPr id="5" name="文本框 4">
@@ -12072,6 +12148,42 @@
           </a:p>
         </p:txBody>
       </p:sp>
+      <p:pic>
+        <p:nvPicPr>
+          <p:cNvPr id="3" name="图片 2" descr="图形用户界面, 文本, 应用程序&#10;&#10;描述已自动生成">
+            <a:extLst>
+              <a:ext uri="{FF2B5EF4-FFF2-40B4-BE49-F238E27FC236}">
+                <a16:creationId xmlns:a16="http://schemas.microsoft.com/office/drawing/2014/main" id="{9F3EBBA8-A15C-4E56-A2A8-1666F31B4412}"/>
+              </a:ext>
+            </a:extLst>
+          </p:cNvPr>
+          <p:cNvPicPr>
+            <a:picLocks noChangeAspect="1"/>
+          </p:cNvPicPr>
+          <p:nvPr/>
+        </p:nvPicPr>
+        <p:blipFill>
+          <a:blip r:embed="rId3">
+            <a:extLst>
+              <a:ext uri="{28A0092B-C50C-407E-A947-70E740481C1C}">
+                <a14:useLocalDpi xmlns:a14="http://schemas.microsoft.com/office/drawing/2010/main" val="0"/>
+              </a:ext>
+            </a:extLst>
+          </a:blip>
+          <a:stretch>
+            <a:fillRect/>
+          </a:stretch>
+        </p:blipFill>
+        <p:spPr>
+          <a:xfrm>
+            <a:off x="902066" y="1217097"/>
+            <a:ext cx="7176618" cy="2306032"/>
+          </a:xfrm>
+          <a:prstGeom prst="rect">
+            <a:avLst/>
+          </a:prstGeom>
+        </p:spPr>
+      </p:pic>
     </p:spTree>
     <p:extLst>
       <p:ext uri="{BB962C8B-B14F-4D97-AF65-F5344CB8AC3E}">
@@ -12284,41 +12396,6 @@
           </a:p>
         </p:txBody>
       </p:sp>
-      <p:pic>
-        <p:nvPicPr>
-          <p:cNvPr id="8" name="图片 7" descr="表格, 日程表&#10;&#10;描述已自动生成">
-            <a:extLst>
-              <a:ext uri="{FF2B5EF4-FFF2-40B4-BE49-F238E27FC236}">
-                <a16:creationId xmlns:a16="http://schemas.microsoft.com/office/drawing/2014/main" id="{C867ED19-AE7D-4ABC-ACB6-48C98A52E811}"/>
-              </a:ext>
-            </a:extLst>
-          </p:cNvPr>
-          <p:cNvPicPr>
-            <a:picLocks noChangeAspect="1"/>
-          </p:cNvPicPr>
-          <p:nvPr/>
-        </p:nvPicPr>
-        <p:blipFill rotWithShape="1">
-          <a:blip r:embed="rId3">
-            <a:extLst>
-              <a:ext uri="{28A0092B-C50C-407E-A947-70E740481C1C}">
-                <a14:useLocalDpi xmlns:a14="http://schemas.microsoft.com/office/drawing/2010/main" val="0"/>
-              </a:ext>
-            </a:extLst>
-          </a:blip>
-          <a:srcRect b="13842"/>
-          <a:stretch/>
-        </p:blipFill>
-        <p:spPr>
-          <a:xfrm>
-            <a:off x="584117" y="1699608"/>
-            <a:ext cx="8140545" cy="2243218"/>
-          </a:xfrm>
-          <a:prstGeom prst="rect">
-            <a:avLst/>
-          </a:prstGeom>
-        </p:spPr>
-      </p:pic>
       <p:sp>
         <p:nvSpPr>
           <p:cNvPr id="9" name="文本框 5">
@@ -12507,6 +12584,517 @@
           </a:p>
         </p:txBody>
       </p:sp>
+      <p:grpSp>
+        <p:nvGrpSpPr>
+          <p:cNvPr id="6" name="组合 5">
+            <a:extLst>
+              <a:ext uri="{FF2B5EF4-FFF2-40B4-BE49-F238E27FC236}">
+                <a16:creationId xmlns:a16="http://schemas.microsoft.com/office/drawing/2014/main" id="{3BDFD174-9C8E-4303-9BB5-79F3AAA98C6F}"/>
+              </a:ext>
+            </a:extLst>
+          </p:cNvPr>
+          <p:cNvGrpSpPr/>
+          <p:nvPr/>
+        </p:nvGrpSpPr>
+        <p:grpSpPr>
+          <a:xfrm>
+            <a:off x="651167" y="935633"/>
+            <a:ext cx="7105303" cy="1377261"/>
+            <a:chOff x="862026" y="3538078"/>
+            <a:chExt cx="7105303" cy="1147336"/>
+          </a:xfrm>
+        </p:grpSpPr>
+        <p:grpSp>
+          <p:nvGrpSpPr>
+            <p:cNvPr id="7" name="组合 6">
+              <a:extLst>
+                <a:ext uri="{FF2B5EF4-FFF2-40B4-BE49-F238E27FC236}">
+                  <a16:creationId xmlns:a16="http://schemas.microsoft.com/office/drawing/2014/main" id="{790A2C3B-04A1-42D5-8A87-6B561AE7A238}"/>
+                </a:ext>
+              </a:extLst>
+            </p:cNvPr>
+            <p:cNvGrpSpPr/>
+            <p:nvPr/>
+          </p:nvGrpSpPr>
+          <p:grpSpPr>
+            <a:xfrm>
+              <a:off x="862026" y="3538078"/>
+              <a:ext cx="7105303" cy="1147336"/>
+              <a:chOff x="3820559" y="2272420"/>
+              <a:chExt cx="4606155" cy="1865014"/>
+            </a:xfrm>
+          </p:grpSpPr>
+          <p:sp>
+            <p:nvSpPr>
+              <p:cNvPr id="11" name="矩形 10">
+                <a:extLst>
+                  <a:ext uri="{FF2B5EF4-FFF2-40B4-BE49-F238E27FC236}">
+                    <a16:creationId xmlns:a16="http://schemas.microsoft.com/office/drawing/2014/main" id="{BC893CFF-75B8-4158-B760-43785717BFCE}"/>
+                  </a:ext>
+                </a:extLst>
+              </p:cNvPr>
+              <p:cNvSpPr/>
+              <p:nvPr/>
+            </p:nvSpPr>
+            <p:spPr>
+              <a:xfrm>
+                <a:off x="3820559" y="2272420"/>
+                <a:ext cx="4606155" cy="1865014"/>
+              </a:xfrm>
+              <a:prstGeom prst="rect">
+                <a:avLst/>
+              </a:prstGeom>
+              <a:noFill/>
+              <a:ln w="12700">
+                <a:solidFill>
+                  <a:schemeClr val="bg1">
+                    <a:lumMod val="65000"/>
+                  </a:schemeClr>
+                </a:solidFill>
+              </a:ln>
+            </p:spPr>
+            <p:style>
+              <a:lnRef idx="2">
+                <a:schemeClr val="accent1">
+                  <a:shade val="50000"/>
+                </a:schemeClr>
+              </a:lnRef>
+              <a:fillRef idx="1">
+                <a:schemeClr val="accent1"/>
+              </a:fillRef>
+              <a:effectRef idx="0">
+                <a:schemeClr val="accent1"/>
+              </a:effectRef>
+              <a:fontRef idx="minor">
+                <a:schemeClr val="lt1"/>
+              </a:fontRef>
+            </p:style>
+            <p:txBody>
+              <a:bodyPr rtlCol="0" anchor="ctr"/>
+              <a:lstStyle/>
+              <a:p>
+                <a:pPr algn="ctr"/>
+                <a:endParaRPr lang="zh-CN" altLang="en-US"/>
+              </a:p>
+            </p:txBody>
+          </p:sp>
+          <p:cxnSp>
+            <p:nvCxnSpPr>
+              <p:cNvPr id="12" name="直接连接符 11">
+                <a:extLst>
+                  <a:ext uri="{FF2B5EF4-FFF2-40B4-BE49-F238E27FC236}">
+                    <a16:creationId xmlns:a16="http://schemas.microsoft.com/office/drawing/2014/main" id="{C943E046-2598-4CD6-889F-D534F8D1A2BE}"/>
+                  </a:ext>
+                </a:extLst>
+              </p:cNvPr>
+              <p:cNvCxnSpPr/>
+              <p:nvPr/>
+            </p:nvCxnSpPr>
+            <p:spPr>
+              <a:xfrm>
+                <a:off x="3820559" y="4137434"/>
+                <a:ext cx="371192" cy="0"/>
+              </a:xfrm>
+              <a:prstGeom prst="line">
+                <a:avLst/>
+              </a:prstGeom>
+              <a:ln w="38100">
+                <a:solidFill>
+                  <a:srgbClr val="3B4A62"/>
+                </a:solidFill>
+              </a:ln>
+            </p:spPr>
+            <p:style>
+              <a:lnRef idx="1">
+                <a:schemeClr val="accent1"/>
+              </a:lnRef>
+              <a:fillRef idx="0">
+                <a:schemeClr val="accent1"/>
+              </a:fillRef>
+              <a:effectRef idx="0">
+                <a:schemeClr val="accent1"/>
+              </a:effectRef>
+              <a:fontRef idx="minor">
+                <a:schemeClr val="tx1"/>
+              </a:fontRef>
+            </p:style>
+          </p:cxnSp>
+          <p:cxnSp>
+            <p:nvCxnSpPr>
+              <p:cNvPr id="13" name="直接连接符 12">
+                <a:extLst>
+                  <a:ext uri="{FF2B5EF4-FFF2-40B4-BE49-F238E27FC236}">
+                    <a16:creationId xmlns:a16="http://schemas.microsoft.com/office/drawing/2014/main" id="{C1AB6401-E86E-4D6E-9D35-D870086AA29F}"/>
+                  </a:ext>
+                </a:extLst>
+              </p:cNvPr>
+              <p:cNvCxnSpPr/>
+              <p:nvPr/>
+            </p:nvCxnSpPr>
+            <p:spPr>
+              <a:xfrm flipV="1">
+                <a:off x="3820559" y="3822077"/>
+                <a:ext cx="0" cy="315357"/>
+              </a:xfrm>
+              <a:prstGeom prst="line">
+                <a:avLst/>
+              </a:prstGeom>
+              <a:ln w="38100">
+                <a:solidFill>
+                  <a:srgbClr val="3B4A62"/>
+                </a:solidFill>
+              </a:ln>
+            </p:spPr>
+            <p:style>
+              <a:lnRef idx="1">
+                <a:schemeClr val="accent1"/>
+              </a:lnRef>
+              <a:fillRef idx="0">
+                <a:schemeClr val="accent1"/>
+              </a:fillRef>
+              <a:effectRef idx="0">
+                <a:schemeClr val="accent1"/>
+              </a:effectRef>
+              <a:fontRef idx="minor">
+                <a:schemeClr val="tx1"/>
+              </a:fontRef>
+            </p:style>
+          </p:cxnSp>
+          <p:cxnSp>
+            <p:nvCxnSpPr>
+              <p:cNvPr id="14" name="直接连接符 13">
+                <a:extLst>
+                  <a:ext uri="{FF2B5EF4-FFF2-40B4-BE49-F238E27FC236}">
+                    <a16:creationId xmlns:a16="http://schemas.microsoft.com/office/drawing/2014/main" id="{E8A73EF7-5A96-47DC-A949-13DD003199CD}"/>
+                  </a:ext>
+                </a:extLst>
+              </p:cNvPr>
+              <p:cNvCxnSpPr/>
+              <p:nvPr/>
+            </p:nvCxnSpPr>
+            <p:spPr>
+              <a:xfrm>
+                <a:off x="8426714" y="2272420"/>
+                <a:ext cx="0" cy="362139"/>
+              </a:xfrm>
+              <a:prstGeom prst="line">
+                <a:avLst/>
+              </a:prstGeom>
+              <a:ln w="38100">
+                <a:solidFill>
+                  <a:srgbClr val="3B4A62"/>
+                </a:solidFill>
+              </a:ln>
+            </p:spPr>
+            <p:style>
+              <a:lnRef idx="1">
+                <a:schemeClr val="accent1"/>
+              </a:lnRef>
+              <a:fillRef idx="0">
+                <a:schemeClr val="accent1"/>
+              </a:fillRef>
+              <a:effectRef idx="0">
+                <a:schemeClr val="accent1"/>
+              </a:effectRef>
+              <a:fontRef idx="minor">
+                <a:schemeClr val="tx1"/>
+              </a:fontRef>
+            </p:style>
+          </p:cxnSp>
+          <p:cxnSp>
+            <p:nvCxnSpPr>
+              <p:cNvPr id="15" name="直接连接符 14">
+                <a:extLst>
+                  <a:ext uri="{FF2B5EF4-FFF2-40B4-BE49-F238E27FC236}">
+                    <a16:creationId xmlns:a16="http://schemas.microsoft.com/office/drawing/2014/main" id="{DA975E43-30E0-4744-9EDD-6EFDDDAAFDC9}"/>
+                  </a:ext>
+                </a:extLst>
+              </p:cNvPr>
+              <p:cNvCxnSpPr/>
+              <p:nvPr/>
+            </p:nvCxnSpPr>
+            <p:spPr>
+              <a:xfrm flipH="1">
+                <a:off x="8256757" y="2272420"/>
+                <a:ext cx="169957" cy="0"/>
+              </a:xfrm>
+              <a:prstGeom prst="line">
+                <a:avLst/>
+              </a:prstGeom>
+              <a:ln w="38100">
+                <a:solidFill>
+                  <a:srgbClr val="3B4A62"/>
+                </a:solidFill>
+              </a:ln>
+            </p:spPr>
+            <p:style>
+              <a:lnRef idx="1">
+                <a:schemeClr val="accent1"/>
+              </a:lnRef>
+              <a:fillRef idx="0">
+                <a:schemeClr val="accent1"/>
+              </a:fillRef>
+              <a:effectRef idx="0">
+                <a:schemeClr val="accent1"/>
+              </a:effectRef>
+              <a:fontRef idx="minor">
+                <a:schemeClr val="tx1"/>
+              </a:fontRef>
+            </p:style>
+          </p:cxnSp>
+        </p:grpSp>
+        <p:sp>
+          <p:nvSpPr>
+            <p:cNvPr id="10" name="文本框 9">
+              <a:extLst>
+                <a:ext uri="{FF2B5EF4-FFF2-40B4-BE49-F238E27FC236}">
+                  <a16:creationId xmlns:a16="http://schemas.microsoft.com/office/drawing/2014/main" id="{43ECA81A-F12D-468D-9452-0A86730D1AB0}"/>
+                </a:ext>
+              </a:extLst>
+            </p:cNvPr>
+            <p:cNvSpPr txBox="1"/>
+            <p:nvPr/>
+          </p:nvSpPr>
+          <p:spPr>
+            <a:xfrm>
+              <a:off x="993651" y="3637458"/>
+              <a:ext cx="6842051" cy="999942"/>
+            </a:xfrm>
+            <a:prstGeom prst="rect">
+              <a:avLst/>
+            </a:prstGeom>
+            <a:noFill/>
+          </p:spPr>
+          <p:txBody>
+            <a:bodyPr wrap="square">
+              <a:spAutoFit/>
+            </a:bodyPr>
+            <a:lstStyle/>
+            <a:p>
+              <a:r>
+                <a:rPr lang="zh-CN" altLang="en-US" sz="1800" dirty="0"/>
+                <a:t>在上述数据结构中限定</a:t>
+              </a:r>
+              <a:r>
+                <a:rPr lang="en-US" altLang="zh-CN" sz="1800" dirty="0"/>
+                <a:t>ISBN</a:t>
+              </a:r>
+              <a:r>
+                <a:rPr lang="zh-CN" altLang="en-US" sz="1800" dirty="0"/>
+                <a:t>长度为</a:t>
+              </a:r>
+              <a:r>
+                <a:rPr lang="en-US" altLang="zh-CN" sz="1800" dirty="0"/>
+                <a:t>6</a:t>
+              </a:r>
+              <a:r>
+                <a:rPr lang="zh-CN" altLang="en-US" sz="1800" dirty="0"/>
+                <a:t>，</a:t>
+              </a:r>
+              <a:r>
+                <a:rPr lang="en-US" altLang="zh-CN" sz="1800" dirty="0"/>
+                <a:t>id</a:t>
+              </a:r>
+              <a:r>
+                <a:rPr lang="zh-CN" altLang="en-US" sz="1800" dirty="0"/>
+                <a:t>长度为</a:t>
+              </a:r>
+              <a:r>
+                <a:rPr lang="en-US" altLang="zh-CN" sz="1800" dirty="0"/>
+                <a:t>6</a:t>
+              </a:r>
+              <a:r>
+                <a:rPr lang="zh-CN" altLang="en-US" sz="1800" dirty="0"/>
+                <a:t>，</a:t>
+              </a:r>
+              <a:r>
+                <a:rPr lang="en-US" altLang="zh-CN" sz="1800" dirty="0"/>
+                <a:t>name</a:t>
+              </a:r>
+              <a:r>
+                <a:rPr lang="zh-CN" altLang="en-US" sz="1800" dirty="0"/>
+                <a:t>长度为</a:t>
+              </a:r>
+              <a:r>
+                <a:rPr lang="en-US" altLang="zh-CN" sz="1800" dirty="0"/>
+                <a:t>8</a:t>
+              </a:r>
+              <a:r>
+                <a:rPr lang="zh-CN" altLang="en-US" sz="1800" dirty="0"/>
+                <a:t>，</a:t>
+              </a:r>
+              <a:r>
+                <a:rPr lang="en-US" altLang="zh-CN" sz="1800" dirty="0"/>
+                <a:t>author</a:t>
+              </a:r>
+              <a:r>
+                <a:rPr lang="zh-CN" altLang="en-US" sz="1800" dirty="0"/>
+                <a:t>长度为</a:t>
+              </a:r>
+              <a:r>
+                <a:rPr lang="en-US" altLang="zh-CN" sz="1800" dirty="0"/>
+                <a:t>4</a:t>
+              </a:r>
+              <a:r>
+                <a:rPr lang="zh-CN" altLang="en-US" sz="1800" dirty="0"/>
+                <a:t>，</a:t>
+              </a:r>
+              <a:r>
+                <a:rPr lang="en-US" altLang="zh-CN" sz="1800" dirty="0"/>
+                <a:t>type</a:t>
+              </a:r>
+              <a:r>
+                <a:rPr lang="zh-CN" altLang="en-US" sz="1800" dirty="0"/>
+                <a:t>长度为</a:t>
+              </a:r>
+              <a:r>
+                <a:rPr lang="en-US" altLang="zh-CN" sz="1800" dirty="0"/>
+                <a:t>4</a:t>
+              </a:r>
+              <a:r>
+                <a:rPr lang="zh-CN" altLang="en-US" sz="1800" dirty="0"/>
+                <a:t>，</a:t>
+              </a:r>
+              <a:r>
+                <a:rPr lang="en-US" altLang="zh-CN" sz="1800" dirty="0" err="1"/>
+                <a:t>borrowtime</a:t>
+              </a:r>
+              <a:r>
+                <a:rPr lang="zh-CN" altLang="en-US" sz="1800" dirty="0"/>
+                <a:t>格式</a:t>
+              </a:r>
+              <a:r>
+                <a:rPr lang="en-US" altLang="zh-CN" sz="1800" dirty="0" err="1"/>
+                <a:t>yy</a:t>
+              </a:r>
+              <a:r>
+                <a:rPr lang="en-US" altLang="zh-CN" sz="1800" dirty="0"/>
+                <a:t>-mm-dd</a:t>
+              </a:r>
+              <a:r>
+                <a:rPr lang="zh-CN" altLang="en-US" sz="1800" dirty="0"/>
+                <a:t>，</a:t>
+              </a:r>
+              <a:r>
+                <a:rPr lang="en-US" altLang="zh-CN" sz="1800" dirty="0" err="1"/>
+                <a:t>returntime</a:t>
+              </a:r>
+              <a:r>
+                <a:rPr lang="zh-CN" altLang="en-US" sz="1800" dirty="0"/>
+                <a:t>同，长度各为</a:t>
+              </a:r>
+              <a:r>
+                <a:rPr lang="en-US" altLang="zh-CN" sz="1800" dirty="0"/>
+                <a:t>8</a:t>
+              </a:r>
+              <a:r>
+                <a:rPr lang="zh-CN" altLang="en-US" sz="1800" dirty="0"/>
+                <a:t>。</a:t>
+              </a:r>
+              <a:r>
+                <a:rPr lang="en-US" altLang="zh-CN" sz="1800" dirty="0"/>
+                <a:t>history</a:t>
+              </a:r>
+              <a:r>
+                <a:rPr lang="zh-CN" altLang="en-US" sz="1800" dirty="0"/>
+                <a:t>长度为</a:t>
+              </a:r>
+              <a:r>
+                <a:rPr lang="en-US" altLang="zh-CN" sz="1800" dirty="0"/>
+                <a:t>40</a:t>
+              </a:r>
+              <a:r>
+                <a:rPr lang="zh-CN" altLang="en-US" sz="1800" dirty="0"/>
+                <a:t>，</a:t>
+              </a:r>
+              <a:r>
+                <a:rPr lang="en-US" altLang="zh-CN" sz="1800" dirty="0" err="1"/>
+                <a:t>onshelf</a:t>
+              </a:r>
+              <a:r>
+                <a:rPr lang="zh-CN" altLang="en-US" sz="1800" dirty="0"/>
+                <a:t>、</a:t>
+              </a:r>
+              <a:r>
+                <a:rPr lang="en-US" altLang="zh-CN" sz="1800" dirty="0" err="1"/>
+                <a:t>isovertime</a:t>
+              </a:r>
+              <a:r>
+                <a:rPr lang="zh-CN" altLang="en-US" sz="1800" dirty="0"/>
+                <a:t>长度为</a:t>
+              </a:r>
+              <a:r>
+                <a:rPr lang="en-US" altLang="zh-CN" sz="1800" dirty="0"/>
+                <a:t>1</a:t>
+              </a:r>
+              <a:r>
+                <a:rPr lang="zh-CN" altLang="en-US" sz="1800" dirty="0"/>
+                <a:t>，取值为</a:t>
+              </a:r>
+              <a:r>
+                <a:rPr lang="en-US" altLang="zh-CN" sz="1800" dirty="0"/>
+                <a:t>0</a:t>
+              </a:r>
+              <a:r>
+                <a:rPr lang="zh-CN" altLang="en-US" sz="1800" dirty="0"/>
+                <a:t>或</a:t>
+              </a:r>
+              <a:r>
+                <a:rPr lang="en-US" altLang="zh-CN" sz="1800" dirty="0"/>
+                <a:t>1</a:t>
+              </a:r>
+              <a:r>
+                <a:rPr lang="zh-CN" altLang="en-US" sz="1800" dirty="0"/>
+                <a:t>。</a:t>
+              </a:r>
+              <a:r>
+                <a:rPr lang="en-US" altLang="zh-CN" sz="1800" dirty="0"/>
+                <a:t>value</a:t>
+              </a:r>
+              <a:r>
+                <a:rPr lang="zh-CN" altLang="en-US" sz="1800" dirty="0"/>
+                <a:t>字符串的格式如下：</a:t>
+              </a:r>
+            </a:p>
+          </p:txBody>
+        </p:sp>
+      </p:grpSp>
+      <p:pic>
+        <p:nvPicPr>
+          <p:cNvPr id="21" name="图片 20">
+            <a:extLst>
+              <a:ext uri="{FF2B5EF4-FFF2-40B4-BE49-F238E27FC236}">
+                <a16:creationId xmlns:a16="http://schemas.microsoft.com/office/drawing/2014/main" id="{C875ED82-429F-4613-A1B8-119B11E1D950}"/>
+              </a:ext>
+            </a:extLst>
+          </p:cNvPr>
+          <p:cNvPicPr>
+            <a:picLocks noChangeAspect="1"/>
+          </p:cNvPicPr>
+          <p:nvPr/>
+        </p:nvPicPr>
+        <p:blipFill>
+          <a:blip r:embed="rId3">
+            <a:extLst>
+              <a:ext uri="{28A0092B-C50C-407E-A947-70E740481C1C}">
+                <a14:useLocalDpi xmlns:a14="http://schemas.microsoft.com/office/drawing/2010/main" val="0"/>
+              </a:ext>
+            </a:extLst>
+          </a:blip>
+          <a:stretch>
+            <a:fillRect/>
+          </a:stretch>
+        </p:blipFill>
+        <p:spPr>
+          <a:xfrm>
+            <a:off x="97866" y="2803712"/>
+            <a:ext cx="9144000" cy="690113"/>
+          </a:xfrm>
+          <a:prstGeom prst="rect">
+            <a:avLst/>
+          </a:prstGeom>
+        </p:spPr>
+      </p:pic>
     </p:spTree>
     <p:extLst>
       <p:ext uri="{BB962C8B-B14F-4D97-AF65-F5344CB8AC3E}">
@@ -12590,6 +13178,103 @@
                             </p:childTnLst>
                           </p:cTn>
                         </p:par>
+                        <p:par>
+                          <p:cTn id="8" fill="hold">
+                            <p:stCondLst>
+                              <p:cond delay="500"/>
+                            </p:stCondLst>
+                            <p:childTnLst>
+                              <p:par>
+                                <p:cTn id="9" presetID="21" presetClass="entr" presetSubtype="1" fill="hold" nodeType="afterEffect">
+                                  <p:stCondLst>
+                                    <p:cond delay="0"/>
+                                  </p:stCondLst>
+                                  <p:childTnLst>
+                                    <p:set>
+                                      <p:cBhvr>
+                                        <p:cTn id="10" dur="1" fill="hold">
+                                          <p:stCondLst>
+                                            <p:cond delay="0"/>
+                                          </p:stCondLst>
+                                        </p:cTn>
+                                        <p:tgtEl>
+                                          <p:spTgt spid="6"/>
+                                        </p:tgtEl>
+                                        <p:attrNameLst>
+                                          <p:attrName>style.visibility</p:attrName>
+                                        </p:attrNameLst>
+                                      </p:cBhvr>
+                                      <p:to>
+                                        <p:strVal val="visible"/>
+                                      </p:to>
+                                    </p:set>
+                                    <p:animEffect transition="in" filter="wheel(1)">
+                                      <p:cBhvr>
+                                        <p:cTn id="11" dur="500"/>
+                                        <p:tgtEl>
+                                          <p:spTgt spid="6"/>
+                                        </p:tgtEl>
+                                      </p:cBhvr>
+                                    </p:animEffect>
+                                  </p:childTnLst>
+                                </p:cTn>
+                              </p:par>
+                            </p:childTnLst>
+                          </p:cTn>
+                        </p:par>
+                      </p:childTnLst>
+                    </p:cTn>
+                  </p:par>
+                  <p:par>
+                    <p:cTn id="12" fill="hold">
+                      <p:stCondLst>
+                        <p:cond delay="indefinite"/>
+                      </p:stCondLst>
+                      <p:childTnLst>
+                        <p:par>
+                          <p:cTn id="13" fill="hold">
+                            <p:stCondLst>
+                              <p:cond delay="0"/>
+                            </p:stCondLst>
+                            <p:childTnLst>
+                              <p:par>
+                                <p:cTn id="14" presetID="21" presetClass="exit" presetSubtype="1" fill="hold" nodeType="clickEffect">
+                                  <p:stCondLst>
+                                    <p:cond delay="0"/>
+                                  </p:stCondLst>
+                                  <p:childTnLst>
+                                    <p:animEffect transition="out" filter="wheel(1)">
+                                      <p:cBhvr>
+                                        <p:cTn id="15" dur="500"/>
+                                        <p:tgtEl>
+                                          <p:spTgt spid="6"/>
+                                        </p:tgtEl>
+                                      </p:cBhvr>
+                                    </p:animEffect>
+                                    <p:set>
+                                      <p:cBhvr>
+                                        <p:cTn id="16" dur="1" fill="hold">
+                                          <p:stCondLst>
+                                            <p:cond delay="499"/>
+                                          </p:stCondLst>
+                                        </p:cTn>
+                                        <p:tgtEl>
+                                          <p:spTgt spid="6"/>
+                                        </p:tgtEl>
+                                        <p:attrNameLst>
+                                          <p:attrName>style.visibility</p:attrName>
+                                        </p:attrNameLst>
+                                      </p:cBhvr>
+                                      <p:to>
+                                        <p:strVal val="hidden"/>
+                                      </p:to>
+                                    </p:set>
+                                  </p:childTnLst>
+                                </p:cTn>
+                              </p:par>
+                            </p:childTnLst>
+                          </p:cTn>
+                        </p:par>
                       </p:childTnLst>
                     </p:cTn>
                   </p:par>
@@ -12700,7 +13385,7 @@
         </p:nvSpPr>
         <p:spPr bwMode="auto">
           <a:xfrm>
-            <a:off x="567973" y="555561"/>
+            <a:off x="465148" y="575732"/>
             <a:ext cx="2031325" cy="461665"/>
           </a:xfrm>
           <a:prstGeom prst="rect">
@@ -12890,222 +13575,8 @@
         </p:blipFill>
         <p:spPr>
           <a:xfrm>
-            <a:off x="66119" y="1174003"/>
+            <a:off x="119907" y="1873251"/>
             <a:ext cx="9144000" cy="1224250"/>
-          </a:xfrm>
-          <a:prstGeom prst="rect">
-            <a:avLst/>
-          </a:prstGeom>
-        </p:spPr>
-      </p:pic>
-      <p:sp>
-        <p:nvSpPr>
-          <p:cNvPr id="13" name="文本框 5">
-            <a:extLst>
-              <a:ext uri="{FF2B5EF4-FFF2-40B4-BE49-F238E27FC236}">
-                <a16:creationId xmlns:a16="http://schemas.microsoft.com/office/drawing/2014/main" id="{A8EDB875-B5C0-4093-944A-F78966671CD1}"/>
-              </a:ext>
-            </a:extLst>
-          </p:cNvPr>
-          <p:cNvSpPr txBox="1">
-            <a:spLocks noChangeArrowheads="1"/>
-          </p:cNvSpPr>
-          <p:nvPr/>
-        </p:nvSpPr>
-        <p:spPr bwMode="auto">
-          <a:xfrm>
-            <a:off x="637745" y="2571750"/>
-            <a:ext cx="2086405" cy="461665"/>
-          </a:xfrm>
-          <a:prstGeom prst="rect">
-            <a:avLst/>
-          </a:prstGeom>
-          <a:noFill/>
-          <a:ln>
-            <a:noFill/>
-          </a:ln>
-          <a:extLst>
-            <a:ext uri="{909E8E84-426E-40DD-AFC4-6F175D3DCCD1}">
-              <a14:hiddenFill xmlns:a14="http://schemas.microsoft.com/office/drawing/2010/main">
-                <a:solidFill>
-                  <a:srgbClr val="FFFFFF"/>
-                </a:solidFill>
-              </a14:hiddenFill>
-            </a:ext>
-            <a:ext uri="{91240B29-F687-4F45-9708-019B960494DF}">
-              <a14:hiddenLine xmlns:a14="http://schemas.microsoft.com/office/drawing/2010/main" w="9525">
-                <a:solidFill>
-                  <a:srgbClr val="000000"/>
-                </a:solidFill>
-                <a:miter lim="800000"/>
-                <a:headEnd/>
-                <a:tailEnd/>
-              </a14:hiddenLine>
-            </a:ext>
-          </a:extLst>
-        </p:spPr>
-        <p:txBody>
-          <a:bodyPr wrap="none">
-            <a:spAutoFit/>
-          </a:bodyPr>
-          <a:lstStyle>
-            <a:lvl1pPr>
-              <a:defRPr sz="1300">
-                <a:solidFill>
-                  <a:schemeClr val="tx1"/>
-                </a:solidFill>
-                <a:latin typeface="Calibri Light" panose="020F0302020204030204" pitchFamily="34" charset="0"/>
-                <a:ea typeface="方正宋刻本秀楷简体" panose="02000000000000000000" pitchFamily="2" charset="-122"/>
-              </a:defRPr>
-            </a:lvl1pPr>
-            <a:lvl2pPr marL="742950" indent="-285750">
-              <a:defRPr sz="1300">
-                <a:solidFill>
-                  <a:schemeClr val="tx1"/>
-                </a:solidFill>
-                <a:latin typeface="Calibri Light" panose="020F0302020204030204" pitchFamily="34" charset="0"/>
-                <a:ea typeface="方正宋刻本秀楷简体" panose="02000000000000000000" pitchFamily="2" charset="-122"/>
-              </a:defRPr>
-            </a:lvl2pPr>
-            <a:lvl3pPr marL="1143000" indent="-228600">
-              <a:defRPr sz="1300">
-                <a:solidFill>
-                  <a:schemeClr val="tx1"/>
-                </a:solidFill>
-                <a:latin typeface="Calibri Light" panose="020F0302020204030204" pitchFamily="34" charset="0"/>
-                <a:ea typeface="方正宋刻本秀楷简体" panose="02000000000000000000" pitchFamily="2" charset="-122"/>
-              </a:defRPr>
-            </a:lvl3pPr>
-            <a:lvl4pPr marL="1600200" indent="-228600">
-              <a:defRPr sz="1300">
-                <a:solidFill>
-                  <a:schemeClr val="tx1"/>
-                </a:solidFill>
-                <a:latin typeface="Calibri Light" panose="020F0302020204030204" pitchFamily="34" charset="0"/>
-                <a:ea typeface="方正宋刻本秀楷简体" panose="02000000000000000000" pitchFamily="2" charset="-122"/>
-              </a:defRPr>
-            </a:lvl4pPr>
-            <a:lvl5pPr marL="2057400" indent="-228600">
-              <a:defRPr sz="1300">
-                <a:solidFill>
-                  <a:schemeClr val="tx1"/>
-                </a:solidFill>
-                <a:latin typeface="Calibri Light" panose="020F0302020204030204" pitchFamily="34" charset="0"/>
-                <a:ea typeface="方正宋刻本秀楷简体" panose="02000000000000000000" pitchFamily="2" charset="-122"/>
-              </a:defRPr>
-            </a:lvl5pPr>
-            <a:lvl6pPr marL="2514600" indent="-228600" defTabSz="685800" eaLnBrk="0" fontAlgn="base" hangingPunct="0">
-              <a:spcBef>
-                <a:spcPct val="0"/>
-              </a:spcBef>
-              <a:spcAft>
-                <a:spcPct val="0"/>
-              </a:spcAft>
-              <a:defRPr sz="1300">
-                <a:solidFill>
-                  <a:schemeClr val="tx1"/>
-                </a:solidFill>
-                <a:latin typeface="Calibri Light" panose="020F0302020204030204" pitchFamily="34" charset="0"/>
-                <a:ea typeface="方正宋刻本秀楷简体" panose="02000000000000000000" pitchFamily="2" charset="-122"/>
-              </a:defRPr>
-            </a:lvl6pPr>
-            <a:lvl7pPr marL="2971800" indent="-228600" defTabSz="685800" eaLnBrk="0" fontAlgn="base" hangingPunct="0">
-              <a:spcBef>
-                <a:spcPct val="0"/>
-              </a:spcBef>
-              <a:spcAft>
-                <a:spcPct val="0"/>
-              </a:spcAft>
-              <a:defRPr sz="1300">
-                <a:solidFill>
-                  <a:schemeClr val="tx1"/>
-                </a:solidFill>
-                <a:latin typeface="Calibri Light" panose="020F0302020204030204" pitchFamily="34" charset="0"/>
-                <a:ea typeface="方正宋刻本秀楷简体" panose="02000000000000000000" pitchFamily="2" charset="-122"/>
-              </a:defRPr>
-            </a:lvl7pPr>
-            <a:lvl8pPr marL="3429000" indent="-228600" defTabSz="685800" eaLnBrk="0" fontAlgn="base" hangingPunct="0">
-              <a:spcBef>
-                <a:spcPct val="0"/>
-              </a:spcBef>
-              <a:spcAft>
-                <a:spcPct val="0"/>
-              </a:spcAft>
-              <a:defRPr sz="1300">
-                <a:solidFill>
-                  <a:schemeClr val="tx1"/>
-                </a:solidFill>
-                <a:latin typeface="Calibri Light" panose="020F0302020204030204" pitchFamily="34" charset="0"/>
-                <a:ea typeface="方正宋刻本秀楷简体" panose="02000000000000000000" pitchFamily="2" charset="-122"/>
-              </a:defRPr>
-            </a:lvl8pPr>
-            <a:lvl9pPr marL="3886200" indent="-228600" defTabSz="685800" eaLnBrk="0" fontAlgn="base" hangingPunct="0">
-              <a:spcBef>
-                <a:spcPct val="0"/>
-              </a:spcBef>
-              <a:spcAft>
-                <a:spcPct val="0"/>
-              </a:spcAft>
-              <a:defRPr sz="1300">
-                <a:solidFill>
-                  <a:schemeClr val="tx1"/>
-                </a:solidFill>
-                <a:latin typeface="Calibri Light" panose="020F0302020204030204" pitchFamily="34" charset="0"/>
-                <a:ea typeface="方正宋刻本秀楷简体" panose="02000000000000000000" pitchFamily="2" charset="-122"/>
-              </a:defRPr>
-            </a:lvl9pPr>
-          </a:lstStyle>
-          <a:p>
-            <a:r>
-              <a:rPr lang="zh-CN" altLang="en-US" sz="2400" dirty="0">
-                <a:solidFill>
-                  <a:srgbClr val="4F6383"/>
-                </a:solidFill>
-                <a:latin typeface="方正兰亭黑_GBK"/>
-                <a:ea typeface="方正兰亭黑_GBK"/>
-              </a:rPr>
-              <a:t>数据文件设计</a:t>
-            </a:r>
-            <a:endParaRPr lang="zh-CN" altLang="zh-CN" sz="2400" dirty="0">
-              <a:solidFill>
-                <a:srgbClr val="4F6383"/>
-              </a:solidFill>
-              <a:latin typeface="方正兰亭黑_GBK"/>
-              <a:ea typeface="方正兰亭黑_GBK"/>
-            </a:endParaRPr>
-          </a:p>
-        </p:txBody>
-      </p:sp>
-      <p:pic>
-        <p:nvPicPr>
-          <p:cNvPr id="14" name="图片 13">
-            <a:extLst>
-              <a:ext uri="{FF2B5EF4-FFF2-40B4-BE49-F238E27FC236}">
-                <a16:creationId xmlns:a16="http://schemas.microsoft.com/office/drawing/2014/main" id="{8612C173-F8E9-41BB-BEC4-26A25DB0E18D}"/>
-              </a:ext>
-            </a:extLst>
-          </p:cNvPr>
-          <p:cNvPicPr>
-            <a:picLocks noChangeAspect="1"/>
-          </p:cNvPicPr>
-          <p:nvPr/>
-        </p:nvPicPr>
-        <p:blipFill>
-          <a:blip r:embed="rId4" cstate="print">
-            <a:extLst>
-              <a:ext uri="{28A0092B-C50C-407E-A947-70E740481C1C}">
-                <a14:useLocalDpi xmlns:a14="http://schemas.microsoft.com/office/drawing/2010/main" val="0"/>
-              </a:ext>
-            </a:extLst>
-          </a:blip>
-          <a:stretch>
-            <a:fillRect/>
-          </a:stretch>
-        </p:blipFill>
-        <p:spPr>
-          <a:xfrm>
-            <a:off x="66119" y="3047766"/>
-            <a:ext cx="9144000" cy="779951"/>
           </a:xfrm>
           <a:prstGeom prst="rect">
             <a:avLst/>
@@ -13128,7 +13599,7 @@
         </p:nvSpPr>
         <p:spPr bwMode="auto">
           <a:xfrm>
-            <a:off x="465148" y="4083103"/>
+            <a:off x="619790" y="3468597"/>
             <a:ext cx="7152502" cy="1169551"/>
           </a:xfrm>
           <a:prstGeom prst="rect">
@@ -13333,7 +13804,7 @@
       <p:sp>
         <p:nvSpPr>
           <p:cNvPr id="3" name="文本框 2">
-            <a:hlinkClick r:id="rId5" action="ppaction://hlinksldjump"/>
+            <a:hlinkClick r:id="rId4" action="ppaction://hlinksldjump"/>
             <a:extLst>
               <a:ext uri="{FF2B5EF4-FFF2-40B4-BE49-F238E27FC236}">
                 <a16:creationId xmlns:a16="http://schemas.microsoft.com/office/drawing/2014/main" id="{B48F1EBC-F11C-4B37-97F2-B7E51ED4BA8B}"/>
@@ -13461,41 +13932,6 @@
                                   </p:childTnLst>
                                 </p:cTn>
                               </p:par>
-                              <p:par>
-                                <p:cTn id="8" presetID="22" presetClass="entr" presetSubtype="4" fill="hold" grpId="0" nodeType="withEffect">
-                                  <p:stCondLst>
-                                    <p:cond delay="0"/>
-                                  </p:stCondLst>
-                                  <p:childTnLst>
-                                    <p:set>
-                                      <p:cBhvr>
-                                        <p:cTn id="9" dur="1" fill="hold">
-                                          <p:stCondLst>
-                                            <p:cond delay="0"/>
-                                          </p:stCondLst>
-                                        </p:cTn>
-                                        <p:tgtEl>
-                                          <p:spTgt spid="13"/>
-                                        </p:tgtEl>
-                                        <p:attrNameLst>
-                                          <p:attrName>style.visibility</p:attrName>
-                                        </p:attrNameLst>
-                                      </p:cBhvr>
-                                      <p:to>
-                                        <p:strVal val="visible"/>
-                                      </p:to>
-                                    </p:set>
-                                    <p:animEffect transition="in" filter="wipe(down)">
-                                      <p:cBhvr>
-                                        <p:cTn id="10" dur="500"/>
-                                        <p:tgtEl>
-                                          <p:spTgt spid="13"/>
-                                        </p:tgtEl>
-                                      </p:cBhvr>
-                                    </p:animEffect>
-                                  </p:childTnLst>
-                                </p:cTn>
-                              </p:par>
                             </p:childTnLst>
                           </p:cTn>
                         </p:par>
@@ -13525,7 +13961,6 @@
     </p:tnLst>
     <p:bldLst>
       <p:bldP spid="15" grpId="0"/>
-      <p:bldP spid="13" grpId="0"/>
     </p:bldLst>
   </p:timing>
 </p:sld>
